--- a/03_simulacion/casos_codigo/clase06_fit_distribucion_lugones/seminario_max_like.pptx
+++ b/03_simulacion/casos_codigo/clase06_fit_distribucion_lugones/seminario_max_like.pptx
@@ -3355,7 +3355,7 @@
           <a:p>
             <a:fld id="{A3450492-B85A-4D6C-B018-F4335D70924F}" type="datetimeFigureOut">
               <a:rPr lang="es-AR" smtClean="0"/>
-              <a:t>2/4/2021</a:t>
+              <a:t>19/5/2021</a:t>
             </a:fld>
             <a:endParaRPr lang="es-AR"/>
           </a:p>
@@ -5353,8 +5353,8 @@
           </a:p>
         </p:txBody>
       </p:sp>
-      <mc:AlternateContent xmlns:mc="http://schemas.openxmlformats.org/markup-compatibility/2006">
-        <mc:Choice xmlns:a14="http://schemas.microsoft.com/office/drawing/2010/main" Requires="a14">
+      <mc:AlternateContent xmlns:mc="http://schemas.openxmlformats.org/markup-compatibility/2006" xmlns:a14="http://schemas.microsoft.com/office/drawing/2010/main">
+        <mc:Choice Requires="a14">
           <p:sp>
             <p:nvSpPr>
               <p:cNvPr id="11" name="CuadroTexto 10">
@@ -5430,7 +5430,7 @@
             </p:txBody>
           </p:sp>
         </mc:Choice>
-        <mc:Fallback>
+        <mc:Fallback xmlns="">
           <p:sp>
             <p:nvSpPr>
               <p:cNvPr id="11" name="CuadroTexto 10">
@@ -6968,8 +6968,8 @@
           </a:p>
         </p:txBody>
       </p:sp>
-      <mc:AlternateContent xmlns:mc="http://schemas.openxmlformats.org/markup-compatibility/2006">
-        <mc:Choice xmlns:a14="http://schemas.microsoft.com/office/drawing/2010/main" Requires="a14">
+      <mc:AlternateContent xmlns:mc="http://schemas.openxmlformats.org/markup-compatibility/2006" xmlns:a14="http://schemas.microsoft.com/office/drawing/2010/main">
+        <mc:Choice Requires="a14">
           <p:sp>
             <p:nvSpPr>
               <p:cNvPr id="29" name="Rectángulo 28">
@@ -7018,7 +7018,7 @@
             </p:txBody>
           </p:sp>
         </mc:Choice>
-        <mc:Fallback>
+        <mc:Fallback xmlns="">
           <p:sp>
             <p:nvSpPr>
               <p:cNvPr id="29" name="Rectángulo 28">
@@ -7063,8 +7063,8 @@
           </p:sp>
         </mc:Fallback>
       </mc:AlternateContent>
-      <mc:AlternateContent xmlns:mc="http://schemas.openxmlformats.org/markup-compatibility/2006">
-        <mc:Choice xmlns:a14="http://schemas.microsoft.com/office/drawing/2010/main" Requires="a14">
+      <mc:AlternateContent xmlns:mc="http://schemas.openxmlformats.org/markup-compatibility/2006" xmlns:a14="http://schemas.microsoft.com/office/drawing/2010/main">
+        <mc:Choice Requires="a14">
           <p:sp>
             <p:nvSpPr>
               <p:cNvPr id="33" name="Rectángulo 32">
@@ -7133,7 +7133,7 @@
             </p:txBody>
           </p:sp>
         </mc:Choice>
-        <mc:Fallback>
+        <mc:Fallback xmlns="">
           <p:sp>
             <p:nvSpPr>
               <p:cNvPr id="33" name="Rectángulo 32">
@@ -7427,8 +7427,8 @@
           </a:p>
         </p:txBody>
       </p:sp>
-      <mc:AlternateContent xmlns:mc="http://schemas.openxmlformats.org/markup-compatibility/2006">
-        <mc:Choice xmlns:a14="http://schemas.microsoft.com/office/drawing/2010/main" Requires="a14">
+      <mc:AlternateContent xmlns:mc="http://schemas.openxmlformats.org/markup-compatibility/2006" xmlns:a14="http://schemas.microsoft.com/office/drawing/2010/main">
+        <mc:Choice Requires="a14">
           <p:sp>
             <p:nvSpPr>
               <p:cNvPr id="6" name="CuadroTexto 5">
@@ -7701,7 +7701,7 @@
             </p:txBody>
           </p:sp>
         </mc:Choice>
-        <mc:Fallback>
+        <mc:Fallback xmlns="">
           <p:sp>
             <p:nvSpPr>
               <p:cNvPr id="6" name="CuadroTexto 5">
@@ -7746,8 +7746,8 @@
           </p:sp>
         </mc:Fallback>
       </mc:AlternateContent>
-      <mc:AlternateContent xmlns:mc="http://schemas.openxmlformats.org/markup-compatibility/2006">
-        <mc:Choice xmlns:a14="http://schemas.microsoft.com/office/drawing/2010/main" Requires="a14">
+      <mc:AlternateContent xmlns:mc="http://schemas.openxmlformats.org/markup-compatibility/2006" xmlns:a14="http://schemas.microsoft.com/office/drawing/2010/main">
+        <mc:Choice Requires="a14">
           <p:sp>
             <p:nvSpPr>
               <p:cNvPr id="7" name="CuadroTexto 6">
@@ -7987,7 +7987,7 @@
             </p:txBody>
           </p:sp>
         </mc:Choice>
-        <mc:Fallback>
+        <mc:Fallback xmlns="">
           <p:sp>
             <p:nvSpPr>
               <p:cNvPr id="7" name="CuadroTexto 6">
@@ -8032,8 +8032,8 @@
           </p:sp>
         </mc:Fallback>
       </mc:AlternateContent>
-      <mc:AlternateContent xmlns:mc="http://schemas.openxmlformats.org/markup-compatibility/2006">
-        <mc:Choice xmlns:a14="http://schemas.microsoft.com/office/drawing/2010/main" Requires="a14">
+      <mc:AlternateContent xmlns:mc="http://schemas.openxmlformats.org/markup-compatibility/2006" xmlns:a14="http://schemas.microsoft.com/office/drawing/2010/main">
+        <mc:Choice Requires="a14">
           <p:sp>
             <p:nvSpPr>
               <p:cNvPr id="9" name="CuadroTexto 8">
@@ -8212,7 +8212,7 @@
             </p:txBody>
           </p:sp>
         </mc:Choice>
-        <mc:Fallback>
+        <mc:Fallback xmlns="">
           <p:sp>
             <p:nvSpPr>
               <p:cNvPr id="9" name="CuadroTexto 8">
@@ -8257,8 +8257,8 @@
           </p:sp>
         </mc:Fallback>
       </mc:AlternateContent>
-      <mc:AlternateContent xmlns:mc="http://schemas.openxmlformats.org/markup-compatibility/2006">
-        <mc:Choice xmlns:a14="http://schemas.microsoft.com/office/drawing/2010/main" Requires="a14">
+      <mc:AlternateContent xmlns:mc="http://schemas.openxmlformats.org/markup-compatibility/2006" xmlns:a14="http://schemas.microsoft.com/office/drawing/2010/main">
+        <mc:Choice Requires="a14">
           <p:sp>
             <p:nvSpPr>
               <p:cNvPr id="10" name="Rectángulo 9">
@@ -8542,7 +8542,7 @@
             </p:txBody>
           </p:sp>
         </mc:Choice>
-        <mc:Fallback>
+        <mc:Fallback xmlns="">
           <p:sp>
             <p:nvSpPr>
               <p:cNvPr id="10" name="Rectángulo 9">
@@ -8635,8 +8635,8 @@
           </a:p>
         </p:txBody>
       </p:sp>
-      <mc:AlternateContent xmlns:mc="http://schemas.openxmlformats.org/markup-compatibility/2006">
-        <mc:Choice xmlns:a14="http://schemas.microsoft.com/office/drawing/2010/main" Requires="a14">
+      <mc:AlternateContent xmlns:mc="http://schemas.openxmlformats.org/markup-compatibility/2006" xmlns:a14="http://schemas.microsoft.com/office/drawing/2010/main">
+        <mc:Choice Requires="a14">
           <p:sp>
             <p:nvSpPr>
               <p:cNvPr id="12" name="Rectángulo 11">
@@ -8826,7 +8826,7 @@
             </p:txBody>
           </p:sp>
         </mc:Choice>
-        <mc:Fallback>
+        <mc:Fallback xmlns="">
           <p:sp>
             <p:nvSpPr>
               <p:cNvPr id="12" name="Rectángulo 11">
@@ -9246,8 +9246,8 @@
           </a:p>
         </p:txBody>
       </p:sp>
-      <mc:AlternateContent xmlns:mc="http://schemas.openxmlformats.org/markup-compatibility/2006">
-        <mc:Choice xmlns:a14="http://schemas.microsoft.com/office/drawing/2010/main" Requires="a14">
+      <mc:AlternateContent xmlns:mc="http://schemas.openxmlformats.org/markup-compatibility/2006" xmlns:a14="http://schemas.microsoft.com/office/drawing/2010/main">
+        <mc:Choice Requires="a14">
           <p:sp>
             <p:nvSpPr>
               <p:cNvPr id="12" name="Rectángulo 11">
@@ -9556,7 +9556,7 @@
             </p:txBody>
           </p:sp>
         </mc:Choice>
-        <mc:Fallback>
+        <mc:Fallback xmlns="">
           <p:sp>
             <p:nvSpPr>
               <p:cNvPr id="12" name="Rectángulo 11">
@@ -9644,8 +9644,8 @@
           </a:p>
         </p:txBody>
       </p:sp>
-      <mc:AlternateContent xmlns:mc="http://schemas.openxmlformats.org/markup-compatibility/2006">
-        <mc:Choice xmlns:a14="http://schemas.microsoft.com/office/drawing/2010/main" Requires="a14">
+      <mc:AlternateContent xmlns:mc="http://schemas.openxmlformats.org/markup-compatibility/2006" xmlns:a14="http://schemas.microsoft.com/office/drawing/2010/main">
+        <mc:Choice Requires="a14">
           <p:sp>
             <p:nvSpPr>
               <p:cNvPr id="15" name="Rectángulo 14">
@@ -9850,7 +9850,7 @@
             </p:txBody>
           </p:sp>
         </mc:Choice>
-        <mc:Fallback>
+        <mc:Fallback xmlns="">
           <p:sp>
             <p:nvSpPr>
               <p:cNvPr id="15" name="Rectángulo 14">
@@ -9930,8 +9930,8 @@
           </a:p>
         </p:txBody>
       </p:sp>
-      <mc:AlternateContent xmlns:mc="http://schemas.openxmlformats.org/markup-compatibility/2006">
-        <mc:Choice xmlns:a14="http://schemas.microsoft.com/office/drawing/2010/main" Requires="a14">
+      <mc:AlternateContent xmlns:mc="http://schemas.openxmlformats.org/markup-compatibility/2006" xmlns:a14="http://schemas.microsoft.com/office/drawing/2010/main">
+        <mc:Choice Requires="a14">
           <p:sp>
             <p:nvSpPr>
               <p:cNvPr id="17" name="Rectángulo 16">
@@ -10186,7 +10186,7 @@
             </p:txBody>
           </p:sp>
         </mc:Choice>
-        <mc:Fallback>
+        <mc:Fallback xmlns="">
           <p:sp>
             <p:nvSpPr>
               <p:cNvPr id="17" name="Rectángulo 16">
@@ -10528,8 +10528,8 @@
           </a:p>
         </p:txBody>
       </p:sp>
-      <mc:AlternateContent xmlns:mc="http://schemas.openxmlformats.org/markup-compatibility/2006">
-        <mc:Choice xmlns:a14="http://schemas.microsoft.com/office/drawing/2010/main" Requires="a14">
+      <mc:AlternateContent xmlns:mc="http://schemas.openxmlformats.org/markup-compatibility/2006" xmlns:a14="http://schemas.microsoft.com/office/drawing/2010/main">
+        <mc:Choice Requires="a14">
           <p:sp>
             <p:nvSpPr>
               <p:cNvPr id="12" name="Rectángulo 11">
@@ -10838,7 +10838,7 @@
             </p:txBody>
           </p:sp>
         </mc:Choice>
-        <mc:Fallback>
+        <mc:Fallback xmlns="">
           <p:sp>
             <p:nvSpPr>
               <p:cNvPr id="12" name="Rectángulo 11">
@@ -10883,8 +10883,8 @@
           </p:sp>
         </mc:Fallback>
       </mc:AlternateContent>
-      <mc:AlternateContent xmlns:mc="http://schemas.openxmlformats.org/markup-compatibility/2006">
-        <mc:Choice xmlns:a14="http://schemas.microsoft.com/office/drawing/2010/main" Requires="a14">
+      <mc:AlternateContent xmlns:mc="http://schemas.openxmlformats.org/markup-compatibility/2006" xmlns:a14="http://schemas.microsoft.com/office/drawing/2010/main">
+        <mc:Choice Requires="a14">
           <p:sp>
             <p:nvSpPr>
               <p:cNvPr id="8" name="Rectángulo 7">
@@ -11239,7 +11239,7 @@
             </p:txBody>
           </p:sp>
         </mc:Choice>
-        <mc:Fallback>
+        <mc:Fallback xmlns="">
           <p:sp>
             <p:nvSpPr>
               <p:cNvPr id="8" name="Rectángulo 7">
@@ -11284,8 +11284,8 @@
           </p:sp>
         </mc:Fallback>
       </mc:AlternateContent>
-      <mc:AlternateContent xmlns:mc="http://schemas.openxmlformats.org/markup-compatibility/2006">
-        <mc:Choice xmlns:a14="http://schemas.microsoft.com/office/drawing/2010/main" Requires="a14">
+      <mc:AlternateContent xmlns:mc="http://schemas.openxmlformats.org/markup-compatibility/2006" xmlns:a14="http://schemas.microsoft.com/office/drawing/2010/main">
+        <mc:Choice Requires="a14">
           <p:sp>
             <p:nvSpPr>
               <p:cNvPr id="9" name="Rectángulo 8">
@@ -11593,7 +11593,7 @@
             </p:txBody>
           </p:sp>
         </mc:Choice>
-        <mc:Fallback>
+        <mc:Fallback xmlns="">
           <p:sp>
             <p:nvSpPr>
               <p:cNvPr id="9" name="Rectángulo 8">
@@ -11638,8 +11638,8 @@
           </p:sp>
         </mc:Fallback>
       </mc:AlternateContent>
-      <mc:AlternateContent xmlns:mc="http://schemas.openxmlformats.org/markup-compatibility/2006">
-        <mc:Choice xmlns:a14="http://schemas.microsoft.com/office/drawing/2010/main" Requires="a14">
+      <mc:AlternateContent xmlns:mc="http://schemas.openxmlformats.org/markup-compatibility/2006" xmlns:a14="http://schemas.microsoft.com/office/drawing/2010/main">
+        <mc:Choice Requires="a14">
           <p:sp>
             <p:nvSpPr>
               <p:cNvPr id="10" name="Rectángulo 9">
@@ -12049,7 +12049,7 @@
             </p:txBody>
           </p:sp>
         </mc:Choice>
-        <mc:Fallback>
+        <mc:Fallback xmlns="">
           <p:sp>
             <p:nvSpPr>
               <p:cNvPr id="10" name="Rectángulo 9">
@@ -12094,8 +12094,8 @@
           </p:sp>
         </mc:Fallback>
       </mc:AlternateContent>
-      <mc:AlternateContent xmlns:mc="http://schemas.openxmlformats.org/markup-compatibility/2006">
-        <mc:Choice xmlns:a14="http://schemas.microsoft.com/office/drawing/2010/main" Requires="a14">
+      <mc:AlternateContent xmlns:mc="http://schemas.openxmlformats.org/markup-compatibility/2006" xmlns:a14="http://schemas.microsoft.com/office/drawing/2010/main">
+        <mc:Choice Requires="a14">
           <p:sp>
             <p:nvSpPr>
               <p:cNvPr id="11" name="Rectángulo 10">
@@ -12619,7 +12619,7 @@
             </p:txBody>
           </p:sp>
         </mc:Choice>
-        <mc:Fallback>
+        <mc:Fallback xmlns="">
           <p:sp>
             <p:nvSpPr>
               <p:cNvPr id="11" name="Rectángulo 10">
@@ -13039,8 +13039,8 @@
           </a:p>
         </p:txBody>
       </p:sp>
-      <mc:AlternateContent xmlns:mc="http://schemas.openxmlformats.org/markup-compatibility/2006">
-        <mc:Choice xmlns:a14="http://schemas.microsoft.com/office/drawing/2010/main" Requires="a14">
+      <mc:AlternateContent xmlns:mc="http://schemas.openxmlformats.org/markup-compatibility/2006" xmlns:a14="http://schemas.microsoft.com/office/drawing/2010/main">
+        <mc:Choice Requires="a14">
           <p:sp>
             <p:nvSpPr>
               <p:cNvPr id="2" name="Rectángulo 1">
@@ -13343,7 +13343,7 @@
             </p:txBody>
           </p:sp>
         </mc:Choice>
-        <mc:Fallback>
+        <mc:Fallback xmlns="">
           <p:sp>
             <p:nvSpPr>
               <p:cNvPr id="2" name="Rectángulo 1">
@@ -13388,8 +13388,8 @@
           </p:sp>
         </mc:Fallback>
       </mc:AlternateContent>
-      <mc:AlternateContent xmlns:mc="http://schemas.openxmlformats.org/markup-compatibility/2006">
-        <mc:Choice xmlns:a14="http://schemas.microsoft.com/office/drawing/2010/main" Requires="a14">
+      <mc:AlternateContent xmlns:mc="http://schemas.openxmlformats.org/markup-compatibility/2006" xmlns:a14="http://schemas.microsoft.com/office/drawing/2010/main">
+        <mc:Choice Requires="a14">
           <p:sp>
             <p:nvSpPr>
               <p:cNvPr id="11" name="Rectángulo 10">
@@ -13822,7 +13822,7 @@
             </p:txBody>
           </p:sp>
         </mc:Choice>
-        <mc:Fallback>
+        <mc:Fallback xmlns="">
           <p:sp>
             <p:nvSpPr>
               <p:cNvPr id="11" name="Rectángulo 10">
@@ -13973,8 +13973,8 @@
           </a:p>
         </p:txBody>
       </p:sp>
-      <mc:AlternateContent xmlns:mc="http://schemas.openxmlformats.org/markup-compatibility/2006">
-        <mc:Choice xmlns:a14="http://schemas.microsoft.com/office/drawing/2010/main" Requires="a14">
+      <mc:AlternateContent xmlns:mc="http://schemas.openxmlformats.org/markup-compatibility/2006" xmlns:a14="http://schemas.microsoft.com/office/drawing/2010/main">
+        <mc:Choice Requires="a14">
           <p:sp>
             <p:nvSpPr>
               <p:cNvPr id="3" name="Rectángulo 2">
@@ -14312,7 +14312,7 @@
             </p:txBody>
           </p:sp>
         </mc:Choice>
-        <mc:Fallback>
+        <mc:Fallback xmlns="">
           <p:sp>
             <p:nvSpPr>
               <p:cNvPr id="3" name="Rectángulo 2">
@@ -14357,8 +14357,8 @@
           </p:sp>
         </mc:Fallback>
       </mc:AlternateContent>
-      <mc:AlternateContent xmlns:mc="http://schemas.openxmlformats.org/markup-compatibility/2006">
-        <mc:Choice xmlns:a14="http://schemas.microsoft.com/office/drawing/2010/main" Requires="a14">
+      <mc:AlternateContent xmlns:mc="http://schemas.openxmlformats.org/markup-compatibility/2006" xmlns:a14="http://schemas.microsoft.com/office/drawing/2010/main">
+        <mc:Choice Requires="a14">
           <p:sp>
             <p:nvSpPr>
               <p:cNvPr id="19" name="Rectángulo 18">
@@ -14738,7 +14738,7 @@
             </p:txBody>
           </p:sp>
         </mc:Choice>
-        <mc:Fallback>
+        <mc:Fallback xmlns="">
           <p:sp>
             <p:nvSpPr>
               <p:cNvPr id="19" name="Rectángulo 18">
@@ -15061,8 +15061,8 @@
           </a:p>
         </p:txBody>
       </p:sp>
-      <mc:AlternateContent xmlns:mc="http://schemas.openxmlformats.org/markup-compatibility/2006">
-        <mc:Choice xmlns:a14="http://schemas.microsoft.com/office/drawing/2010/main" Requires="a14">
+      <mc:AlternateContent xmlns:mc="http://schemas.openxmlformats.org/markup-compatibility/2006" xmlns:a14="http://schemas.microsoft.com/office/drawing/2010/main">
+        <mc:Choice Requires="a14">
           <p:sp>
             <p:nvSpPr>
               <p:cNvPr id="11" name="Rectángulo 10">
@@ -15565,7 +15565,7 @@
             </p:txBody>
           </p:sp>
         </mc:Choice>
-        <mc:Fallback>
+        <mc:Fallback xmlns="">
           <p:sp>
             <p:nvSpPr>
               <p:cNvPr id="11" name="Rectángulo 10">
@@ -15610,8 +15610,8 @@
           </p:sp>
         </mc:Fallback>
       </mc:AlternateContent>
-      <mc:AlternateContent xmlns:mc="http://schemas.openxmlformats.org/markup-compatibility/2006">
-        <mc:Choice xmlns:a14="http://schemas.microsoft.com/office/drawing/2010/main" Requires="a14">
+      <mc:AlternateContent xmlns:mc="http://schemas.openxmlformats.org/markup-compatibility/2006" xmlns:a14="http://schemas.microsoft.com/office/drawing/2010/main">
+        <mc:Choice Requires="a14">
           <p:sp>
             <p:nvSpPr>
               <p:cNvPr id="5" name="Rectángulo 4">
@@ -15855,7 +15855,7 @@
             </p:txBody>
           </p:sp>
         </mc:Choice>
-        <mc:Fallback>
+        <mc:Fallback xmlns="">
           <p:sp>
             <p:nvSpPr>
               <p:cNvPr id="5" name="Rectángulo 4">
@@ -15950,8 +15950,8 @@
             <a:chExt cx="4058200" cy="928459"/>
           </a:xfrm>
         </p:grpSpPr>
-        <mc:AlternateContent xmlns:mc="http://schemas.openxmlformats.org/markup-compatibility/2006">
-          <mc:Choice xmlns:a14="http://schemas.microsoft.com/office/drawing/2010/main" Requires="a14">
+        <mc:AlternateContent xmlns:mc="http://schemas.openxmlformats.org/markup-compatibility/2006" xmlns:a14="http://schemas.microsoft.com/office/drawing/2010/main">
+          <mc:Choice Requires="a14">
             <p:sp>
               <p:nvSpPr>
                 <p:cNvPr id="6" name="Rectángulo 5">
@@ -16188,7 +16188,7 @@
               </p:txBody>
             </p:sp>
           </mc:Choice>
-          <mc:Fallback>
+          <mc:Fallback xmlns="">
             <p:sp>
               <p:nvSpPr>
                 <p:cNvPr id="6" name="Rectángulo 5">
@@ -17705,8 +17705,8 @@
           </a:p>
         </p:txBody>
       </p:sp>
-      <mc:AlternateContent xmlns:mc="http://schemas.openxmlformats.org/markup-compatibility/2006">
-        <mc:Choice xmlns:a14="http://schemas.microsoft.com/office/drawing/2010/main" Requires="a14">
+      <mc:AlternateContent xmlns:mc="http://schemas.openxmlformats.org/markup-compatibility/2006" xmlns:a14="http://schemas.microsoft.com/office/drawing/2010/main">
+        <mc:Choice Requires="a14">
           <p:sp>
             <p:nvSpPr>
               <p:cNvPr id="4" name="CuadroTexto 3">
@@ -17815,7 +17815,7 @@
             </p:txBody>
           </p:sp>
         </mc:Choice>
-        <mc:Fallback>
+        <mc:Fallback xmlns="">
           <p:sp>
             <p:nvSpPr>
               <p:cNvPr id="4" name="CuadroTexto 3">
@@ -17950,8 +17950,8 @@
           </a:fontRef>
         </p:style>
       </p:cxnSp>
-      <mc:AlternateContent xmlns:mc="http://schemas.openxmlformats.org/markup-compatibility/2006">
-        <mc:Choice xmlns:a14="http://schemas.microsoft.com/office/drawing/2010/main" Requires="a14">
+      <mc:AlternateContent xmlns:mc="http://schemas.openxmlformats.org/markup-compatibility/2006" xmlns:a14="http://schemas.microsoft.com/office/drawing/2010/main">
+        <mc:Choice Requires="a14">
           <p:sp>
             <p:nvSpPr>
               <p:cNvPr id="11" name="CuadroTexto 10">
@@ -18043,7 +18043,7 @@
             </p:txBody>
           </p:sp>
         </mc:Choice>
-        <mc:Fallback>
+        <mc:Fallback xmlns="">
           <p:sp>
             <p:nvSpPr>
               <p:cNvPr id="11" name="CuadroTexto 10">
@@ -18133,8 +18133,8 @@
           </a:fontRef>
         </p:style>
       </p:cxnSp>
-      <mc:AlternateContent xmlns:mc="http://schemas.openxmlformats.org/markup-compatibility/2006">
-        <mc:Choice xmlns:a14="http://schemas.microsoft.com/office/drawing/2010/main" Requires="a14">
+      <mc:AlternateContent xmlns:mc="http://schemas.openxmlformats.org/markup-compatibility/2006" xmlns:a14="http://schemas.microsoft.com/office/drawing/2010/main">
+        <mc:Choice Requires="a14">
           <p:sp>
             <p:nvSpPr>
               <p:cNvPr id="15" name="Rectángulo 14">
@@ -18200,7 +18200,7 @@
             </p:txBody>
           </p:sp>
         </mc:Choice>
-        <mc:Fallback>
+        <mc:Fallback xmlns="">
           <p:sp>
             <p:nvSpPr>
               <p:cNvPr id="15" name="Rectángulo 14">
@@ -18275,8 +18275,8 @@
           </a:prstGeom>
         </p:spPr>
       </p:pic>
-      <mc:AlternateContent xmlns:mc="http://schemas.openxmlformats.org/markup-compatibility/2006">
-        <mc:Choice xmlns:a14="http://schemas.microsoft.com/office/drawing/2010/main" Requires="a14">
+      <mc:AlternateContent xmlns:mc="http://schemas.openxmlformats.org/markup-compatibility/2006" xmlns:a14="http://schemas.microsoft.com/office/drawing/2010/main">
+        <mc:Choice Requires="a14">
           <p:sp>
             <p:nvSpPr>
               <p:cNvPr id="10" name="Rectángulo 9">
@@ -18345,7 +18345,7 @@
             </p:txBody>
           </p:sp>
         </mc:Choice>
-        <mc:Fallback>
+        <mc:Fallback xmlns="">
           <p:sp>
             <p:nvSpPr>
               <p:cNvPr id="10" name="Rectángulo 9">
@@ -18432,8 +18432,8 @@
           </a:p>
         </p:txBody>
       </p:sp>
-      <mc:AlternateContent xmlns:mc="http://schemas.openxmlformats.org/markup-compatibility/2006">
-        <mc:Choice xmlns:a14="http://schemas.microsoft.com/office/drawing/2010/main" Requires="a14">
+      <mc:AlternateContent xmlns:mc="http://schemas.openxmlformats.org/markup-compatibility/2006" xmlns:a14="http://schemas.microsoft.com/office/drawing/2010/main">
+        <mc:Choice Requires="a14">
           <p:sp>
             <p:nvSpPr>
               <p:cNvPr id="16" name="Rectángulo 15">
@@ -18482,7 +18482,7 @@
             </p:txBody>
           </p:sp>
         </mc:Choice>
-        <mc:Fallback>
+        <mc:Fallback xmlns="">
           <p:sp>
             <p:nvSpPr>
               <p:cNvPr id="16" name="Rectángulo 15">
@@ -18799,8 +18799,8 @@
           </a:fontRef>
         </p:style>
       </p:cxnSp>
-      <mc:AlternateContent xmlns:mc="http://schemas.openxmlformats.org/markup-compatibility/2006">
-        <mc:Choice xmlns:a14="http://schemas.microsoft.com/office/drawing/2010/main" Requires="a14">
+      <mc:AlternateContent xmlns:mc="http://schemas.openxmlformats.org/markup-compatibility/2006" xmlns:a14="http://schemas.microsoft.com/office/drawing/2010/main">
+        <mc:Choice Requires="a14">
           <p:sp>
             <p:nvSpPr>
               <p:cNvPr id="6" name="CuadroTexto 5">
@@ -19013,7 +19013,7 @@
             </p:txBody>
           </p:sp>
         </mc:Choice>
-        <mc:Fallback>
+        <mc:Fallback xmlns="">
           <p:sp>
             <p:nvSpPr>
               <p:cNvPr id="6" name="CuadroTexto 5">
@@ -19058,8 +19058,8 @@
           </p:sp>
         </mc:Fallback>
       </mc:AlternateContent>
-      <mc:AlternateContent xmlns:mc="http://schemas.openxmlformats.org/markup-compatibility/2006">
-        <mc:Choice xmlns:a14="http://schemas.microsoft.com/office/drawing/2010/main" Requires="a14">
+      <mc:AlternateContent xmlns:mc="http://schemas.openxmlformats.org/markup-compatibility/2006" xmlns:a14="http://schemas.microsoft.com/office/drawing/2010/main">
+        <mc:Choice Requires="a14">
           <p:sp>
             <p:nvSpPr>
               <p:cNvPr id="7" name="CuadroTexto 6">
@@ -19172,7 +19172,7 @@
             </p:txBody>
           </p:sp>
         </mc:Choice>
-        <mc:Fallback>
+        <mc:Fallback xmlns="">
           <p:sp>
             <p:nvSpPr>
               <p:cNvPr id="7" name="CuadroTexto 6">
@@ -19262,8 +19262,8 @@
           </a:fontRef>
         </p:style>
       </p:cxnSp>
-      <mc:AlternateContent xmlns:mc="http://schemas.openxmlformats.org/markup-compatibility/2006">
-        <mc:Choice xmlns:a14="http://schemas.microsoft.com/office/drawing/2010/main" Requires="a14">
+      <mc:AlternateContent xmlns:mc="http://schemas.openxmlformats.org/markup-compatibility/2006" xmlns:a14="http://schemas.microsoft.com/office/drawing/2010/main">
+        <mc:Choice Requires="a14">
           <p:sp>
             <p:nvSpPr>
               <p:cNvPr id="13" name="CuadroTexto 12">
@@ -19347,7 +19347,7 @@
             </p:txBody>
           </p:sp>
         </mc:Choice>
-        <mc:Fallback>
+        <mc:Fallback xmlns="">
           <p:sp>
             <p:nvSpPr>
               <p:cNvPr id="13" name="CuadroTexto 12">
@@ -19546,8 +19546,8 @@
           </a:p>
         </p:txBody>
       </p:sp>
-      <mc:AlternateContent xmlns:mc="http://schemas.openxmlformats.org/markup-compatibility/2006">
-        <mc:Choice xmlns:a14="http://schemas.microsoft.com/office/drawing/2010/main" Requires="a14">
+      <mc:AlternateContent xmlns:mc="http://schemas.openxmlformats.org/markup-compatibility/2006" xmlns:a14="http://schemas.microsoft.com/office/drawing/2010/main">
+        <mc:Choice Requires="a14">
           <p:sp>
             <p:nvSpPr>
               <p:cNvPr id="12" name="Rectángulo 11">
@@ -19616,7 +19616,7 @@
             </p:txBody>
           </p:sp>
         </mc:Choice>
-        <mc:Fallback>
+        <mc:Fallback xmlns="">
           <p:sp>
             <p:nvSpPr>
               <p:cNvPr id="12" name="Rectángulo 11">
@@ -19661,8 +19661,8 @@
           </p:sp>
         </mc:Fallback>
       </mc:AlternateContent>
-      <mc:AlternateContent xmlns:mc="http://schemas.openxmlformats.org/markup-compatibility/2006">
-        <mc:Choice xmlns:a14="http://schemas.microsoft.com/office/drawing/2010/main" Requires="a14">
+      <mc:AlternateContent xmlns:mc="http://schemas.openxmlformats.org/markup-compatibility/2006" xmlns:a14="http://schemas.microsoft.com/office/drawing/2010/main">
+        <mc:Choice Requires="a14">
           <p:sp>
             <p:nvSpPr>
               <p:cNvPr id="14" name="Rectángulo 13">
@@ -19711,7 +19711,7 @@
             </p:txBody>
           </p:sp>
         </mc:Choice>
-        <mc:Fallback>
+        <mc:Fallback xmlns="">
           <p:sp>
             <p:nvSpPr>
               <p:cNvPr id="14" name="Rectángulo 13">
@@ -19830,8 +19830,8 @@
           </a:p>
         </p:txBody>
       </p:sp>
-      <mc:AlternateContent xmlns:mc="http://schemas.openxmlformats.org/markup-compatibility/2006">
-        <mc:Choice xmlns:a14="http://schemas.microsoft.com/office/drawing/2010/main" Requires="a14">
+      <mc:AlternateContent xmlns:mc="http://schemas.openxmlformats.org/markup-compatibility/2006" xmlns:a14="http://schemas.microsoft.com/office/drawing/2010/main">
+        <mc:Choice Requires="a14">
           <p:sp>
             <p:nvSpPr>
               <p:cNvPr id="9" name="CuadroTexto 8">
@@ -20043,7 +20043,7 @@
             </p:txBody>
           </p:sp>
         </mc:Choice>
-        <mc:Fallback>
+        <mc:Fallback xmlns="">
           <p:sp>
             <p:nvSpPr>
               <p:cNvPr id="9" name="CuadroTexto 8">
@@ -20088,8 +20088,8 @@
           </p:sp>
         </mc:Fallback>
       </mc:AlternateContent>
-      <mc:AlternateContent xmlns:mc="http://schemas.openxmlformats.org/markup-compatibility/2006">
-        <mc:Choice xmlns:a14="http://schemas.microsoft.com/office/drawing/2010/main" Requires="a14">
+      <mc:AlternateContent xmlns:mc="http://schemas.openxmlformats.org/markup-compatibility/2006" xmlns:a14="http://schemas.microsoft.com/office/drawing/2010/main">
+        <mc:Choice Requires="a14">
           <p:sp>
             <p:nvSpPr>
               <p:cNvPr id="10" name="Rectángulo 9">
@@ -20342,7 +20342,7 @@
             </p:txBody>
           </p:sp>
         </mc:Choice>
-        <mc:Fallback>
+        <mc:Fallback xmlns="">
           <p:sp>
             <p:nvSpPr>
               <p:cNvPr id="10" name="Rectángulo 9">
@@ -20387,8 +20387,8 @@
           </p:sp>
         </mc:Fallback>
       </mc:AlternateContent>
-      <mc:AlternateContent xmlns:mc="http://schemas.openxmlformats.org/markup-compatibility/2006">
-        <mc:Choice xmlns:a14="http://schemas.microsoft.com/office/drawing/2010/main" Requires="a14">
+      <mc:AlternateContent xmlns:mc="http://schemas.openxmlformats.org/markup-compatibility/2006" xmlns:a14="http://schemas.microsoft.com/office/drawing/2010/main">
+        <mc:Choice Requires="a14">
           <p:sp>
             <p:nvSpPr>
               <p:cNvPr id="11" name="Rectángulo 10">
@@ -20534,7 +20534,7 @@
             </p:txBody>
           </p:sp>
         </mc:Choice>
-        <mc:Fallback>
+        <mc:Fallback xmlns="">
           <p:sp>
             <p:nvSpPr>
               <p:cNvPr id="11" name="Rectángulo 10">
@@ -20862,8 +20862,8 @@
           </a:p>
         </p:txBody>
       </p:sp>
-      <mc:AlternateContent xmlns:mc="http://schemas.openxmlformats.org/markup-compatibility/2006">
-        <mc:Choice xmlns:a14="http://schemas.microsoft.com/office/drawing/2010/main" Requires="a14">
+      <mc:AlternateContent xmlns:mc="http://schemas.openxmlformats.org/markup-compatibility/2006" xmlns:a14="http://schemas.microsoft.com/office/drawing/2010/main">
+        <mc:Choice Requires="a14">
           <p:sp>
             <p:nvSpPr>
               <p:cNvPr id="6" name="CuadroTexto 5">
@@ -21012,7 +21012,7 @@
             </p:txBody>
           </p:sp>
         </mc:Choice>
-        <mc:Fallback>
+        <mc:Fallback xmlns="">
           <p:sp>
             <p:nvSpPr>
               <p:cNvPr id="6" name="CuadroTexto 5">
@@ -22555,8 +22555,8 @@
           </p:style>
         </p:cxnSp>
       </p:grpSp>
-      <mc:AlternateContent xmlns:mc="http://schemas.openxmlformats.org/markup-compatibility/2006">
-        <mc:Choice xmlns:a14="http://schemas.microsoft.com/office/drawing/2010/main" Requires="a14">
+      <mc:AlternateContent xmlns:mc="http://schemas.openxmlformats.org/markup-compatibility/2006" xmlns:a14="http://schemas.microsoft.com/office/drawing/2010/main">
+        <mc:Choice Requires="a14">
           <p:sp>
             <p:nvSpPr>
               <p:cNvPr id="79" name="Rectángulo 78">
@@ -22641,7 +22641,7 @@
             </p:txBody>
           </p:sp>
         </mc:Choice>
-        <mc:Fallback>
+        <mc:Fallback xmlns="">
           <p:sp>
             <p:nvSpPr>
               <p:cNvPr id="79" name="Rectángulo 78">
@@ -22725,8 +22725,8 @@
           </a:p>
         </p:txBody>
       </p:sp>
-      <mc:AlternateContent xmlns:mc="http://schemas.openxmlformats.org/markup-compatibility/2006">
-        <mc:Choice xmlns:a14="http://schemas.microsoft.com/office/drawing/2010/main" Requires="a14">
+      <mc:AlternateContent xmlns:mc="http://schemas.openxmlformats.org/markup-compatibility/2006" xmlns:a14="http://schemas.microsoft.com/office/drawing/2010/main">
+        <mc:Choice Requires="a14">
           <p:sp>
             <p:nvSpPr>
               <p:cNvPr id="36" name="Rectángulo 35">
@@ -22775,7 +22775,7 @@
             </p:txBody>
           </p:sp>
         </mc:Choice>
-        <mc:Fallback>
+        <mc:Fallback xmlns="">
           <p:sp>
             <p:nvSpPr>
               <p:cNvPr id="36" name="Rectángulo 35">
@@ -22820,8 +22820,8 @@
           </p:sp>
         </mc:Fallback>
       </mc:AlternateContent>
-      <mc:AlternateContent xmlns:mc="http://schemas.openxmlformats.org/markup-compatibility/2006">
-        <mc:Choice xmlns:a14="http://schemas.microsoft.com/office/drawing/2010/main" Requires="a14">
+      <mc:AlternateContent xmlns:mc="http://schemas.openxmlformats.org/markup-compatibility/2006" xmlns:a14="http://schemas.microsoft.com/office/drawing/2010/main">
+        <mc:Choice Requires="a14">
           <p:sp>
             <p:nvSpPr>
               <p:cNvPr id="37" name="Rectángulo 36">
@@ -22890,7 +22890,7 @@
             </p:txBody>
           </p:sp>
         </mc:Choice>
-        <mc:Fallback>
+        <mc:Fallback xmlns="">
           <p:sp>
             <p:nvSpPr>
               <p:cNvPr id="37" name="Rectángulo 36">
@@ -24511,8 +24511,8 @@
           </a:fontRef>
         </p:style>
       </p:cxnSp>
-      <mc:AlternateContent xmlns:mc="http://schemas.openxmlformats.org/markup-compatibility/2006">
-        <mc:Choice xmlns:a14="http://schemas.microsoft.com/office/drawing/2010/main" Requires="a14">
+      <mc:AlternateContent xmlns:mc="http://schemas.openxmlformats.org/markup-compatibility/2006" xmlns:a14="http://schemas.microsoft.com/office/drawing/2010/main">
+        <mc:Choice Requires="a14">
           <p:sp>
             <p:nvSpPr>
               <p:cNvPr id="79" name="Rectángulo 78">
@@ -24597,7 +24597,7 @@
             </p:txBody>
           </p:sp>
         </mc:Choice>
-        <mc:Fallback>
+        <mc:Fallback xmlns="">
           <p:sp>
             <p:nvSpPr>
               <p:cNvPr id="79" name="Rectángulo 78">
@@ -24861,8 +24861,8 @@
           </a:p>
         </p:txBody>
       </p:sp>
-      <mc:AlternateContent xmlns:mc="http://schemas.openxmlformats.org/markup-compatibility/2006">
-        <mc:Choice xmlns:a14="http://schemas.microsoft.com/office/drawing/2010/main" Requires="a14">
+      <mc:AlternateContent xmlns:mc="http://schemas.openxmlformats.org/markup-compatibility/2006" xmlns:a14="http://schemas.microsoft.com/office/drawing/2010/main">
+        <mc:Choice Requires="a14">
           <p:sp>
             <p:nvSpPr>
               <p:cNvPr id="42" name="Rectángulo 41">
@@ -24965,7 +24965,7 @@
             </p:txBody>
           </p:sp>
         </mc:Choice>
-        <mc:Fallback>
+        <mc:Fallback xmlns="">
           <p:sp>
             <p:nvSpPr>
               <p:cNvPr id="42" name="Rectángulo 41">
@@ -25010,8 +25010,8 @@
           </p:sp>
         </mc:Fallback>
       </mc:AlternateContent>
-      <mc:AlternateContent xmlns:mc="http://schemas.openxmlformats.org/markup-compatibility/2006">
-        <mc:Choice xmlns:a14="http://schemas.microsoft.com/office/drawing/2010/main" Requires="a14">
+      <mc:AlternateContent xmlns:mc="http://schemas.openxmlformats.org/markup-compatibility/2006" xmlns:a14="http://schemas.microsoft.com/office/drawing/2010/main">
+        <mc:Choice Requires="a14">
           <p:sp>
             <p:nvSpPr>
               <p:cNvPr id="39" name="Rectángulo 38">
@@ -25060,7 +25060,7 @@
             </p:txBody>
           </p:sp>
         </mc:Choice>
-        <mc:Fallback>
+        <mc:Fallback xmlns="">
           <p:sp>
             <p:nvSpPr>
               <p:cNvPr id="39" name="Rectángulo 38">
@@ -25105,8 +25105,8 @@
           </p:sp>
         </mc:Fallback>
       </mc:AlternateContent>
-      <mc:AlternateContent xmlns:mc="http://schemas.openxmlformats.org/markup-compatibility/2006">
-        <mc:Choice xmlns:a14="http://schemas.microsoft.com/office/drawing/2010/main" Requires="a14">
+      <mc:AlternateContent xmlns:mc="http://schemas.openxmlformats.org/markup-compatibility/2006" xmlns:a14="http://schemas.microsoft.com/office/drawing/2010/main">
+        <mc:Choice Requires="a14">
           <p:sp>
             <p:nvSpPr>
               <p:cNvPr id="40" name="Rectángulo 39">
@@ -25175,7 +25175,7 @@
             </p:txBody>
           </p:sp>
         </mc:Choice>
-        <mc:Fallback>
+        <mc:Fallback xmlns="">
           <p:sp>
             <p:nvSpPr>
               <p:cNvPr id="40" name="Rectángulo 39">
@@ -25278,8 +25278,8 @@
         </p:blipFill>
         <p:spPr>
           <a:xfrm>
-            <a:off x="1061357" y="618928"/>
-            <a:ext cx="6923315" cy="4524573"/>
+            <a:off x="439805" y="0"/>
+            <a:ext cx="7886700" cy="5154171"/>
           </a:xfrm>
           <a:prstGeom prst="rect">
             <a:avLst/>
@@ -25304,7 +25304,7 @@
         </p:nvSpPr>
         <p:spPr>
           <a:xfrm>
-            <a:off x="97972" y="1"/>
+            <a:off x="439805" y="572569"/>
             <a:ext cx="7886700" cy="537599"/>
           </a:xfrm>
         </p:spPr>

--- a/03_simulacion/casos_codigo/clase06_fit_distribucion_lugones/seminario_max_like.pptx
+++ b/03_simulacion/casos_codigo/clase06_fit_distribucion_lugones/seminario_max_like.pptx
@@ -4857,7 +4857,7 @@
             </a:pPr>
             <a:r>
               <a:rPr lang="en" sz="2070" dirty="0"/>
-              <a:t>Curso: I4051</a:t>
+              <a:t>Elaborado por: Rodrigo Maranzana</a:t>
             </a:r>
             <a:endParaRPr sz="2070" dirty="0"/>
           </a:p>
@@ -4877,40 +4877,13 @@
               <a:buNone/>
             </a:pPr>
             <a:r>
-              <a:rPr lang="en" sz="2070" dirty="0"/>
-              <a:t>Elaborado por</a:t>
+              <a:rPr lang="en-US" sz="2070" dirty="0" err="1"/>
+              <a:t>Curso</a:t>
             </a:r>
             <a:r>
-              <a:rPr lang="en" sz="2070"/>
-              <a:t>: Rodrigo Maranzana</a:t>
+              <a:rPr lang="en-US" sz="2070" dirty="0"/>
+              <a:t>: I4051 (Prof. Martin Palazzo)</a:t>
             </a:r>
-            <a:endParaRPr sz="2070" dirty="0"/>
-          </a:p>
-          <a:p>
-            <a:pPr marL="0" lvl="0" indent="0" algn="l" rtl="0">
-              <a:spcBef>
-                <a:spcPts val="0"/>
-              </a:spcBef>
-              <a:spcAft>
-                <a:spcPts val="0"/>
-              </a:spcAft>
-              <a:buClr>
-                <a:schemeClr val="dk2"/>
-              </a:buClr>
-              <a:buSzPts val="2070"/>
-              <a:buFont typeface="Arial"/>
-              <a:buNone/>
-            </a:pPr>
-            <a:r>
-              <a:rPr lang="en" sz="2070" dirty="0"/>
-              <a:t>Docente: Martín Palazzo</a:t>
-            </a:r>
-            <a:endParaRPr dirty="0">
-              <a:latin typeface="Helvetica Neue"/>
-              <a:ea typeface="Helvetica Neue"/>
-              <a:cs typeface="Helvetica Neue"/>
-              <a:sym typeface="Helvetica Neue"/>
-            </a:endParaRPr>
           </a:p>
           <a:p>
             <a:pPr marL="0" lvl="0" indent="0" algn="l" rtl="0">
